--- a/blog_overview.pptx
+++ b/blog_overview.pptx
@@ -10,6 +10,7 @@
     <p:sldId id="258" r:id="rId4"/>
     <p:sldId id="259" r:id="rId5"/>
     <p:sldId id="260" r:id="rId6"/>
+    <p:sldId id="261" r:id="rId7"/>
   </p:sldIdLst>
   <p:sldSz cx="12192000" cy="6858000"/>
   <p:notesSz cx="6858000" cy="9144000"/>
@@ -108,6 +109,11 @@
       </a:defRPr>
     </a:lvl9pPr>
   </p:defaultTextStyle>
+  <p:extLst>
+    <p:ext uri="{EFAFB233-063F-42B5-8137-9DF3F51BA10A}">
+      <p15:sldGuideLst xmlns:p15="http://schemas.microsoft.com/office/powerpoint/2012/main"/>
+    </p:ext>
+  </p:extLst>
 </p:presentation>
 </file>
 
@@ -258,7 +264,7 @@
           <a:p>
             <a:fld id="{3EC0053B-4812-4809-A52E-3F25B75BFB96}" type="datetimeFigureOut">
               <a:rPr lang="ko-KR" altLang="en-US" smtClean="0"/>
-              <a:t>2023-10-06</a:t>
+              <a:t>2023-10-08</a:t>
             </a:fld>
             <a:endParaRPr lang="ko-KR" altLang="en-US"/>
           </a:p>
@@ -456,7 +462,7 @@
           <a:p>
             <a:fld id="{3EC0053B-4812-4809-A52E-3F25B75BFB96}" type="datetimeFigureOut">
               <a:rPr lang="ko-KR" altLang="en-US" smtClean="0"/>
-              <a:t>2023-10-06</a:t>
+              <a:t>2023-10-08</a:t>
             </a:fld>
             <a:endParaRPr lang="ko-KR" altLang="en-US"/>
           </a:p>
@@ -664,7 +670,7 @@
           <a:p>
             <a:fld id="{3EC0053B-4812-4809-A52E-3F25B75BFB96}" type="datetimeFigureOut">
               <a:rPr lang="ko-KR" altLang="en-US" smtClean="0"/>
-              <a:t>2023-10-06</a:t>
+              <a:t>2023-10-08</a:t>
             </a:fld>
             <a:endParaRPr lang="ko-KR" altLang="en-US"/>
           </a:p>
@@ -862,7 +868,7 @@
           <a:p>
             <a:fld id="{3EC0053B-4812-4809-A52E-3F25B75BFB96}" type="datetimeFigureOut">
               <a:rPr lang="ko-KR" altLang="en-US" smtClean="0"/>
-              <a:t>2023-10-06</a:t>
+              <a:t>2023-10-08</a:t>
             </a:fld>
             <a:endParaRPr lang="ko-KR" altLang="en-US"/>
           </a:p>
@@ -1137,7 +1143,7 @@
           <a:p>
             <a:fld id="{3EC0053B-4812-4809-A52E-3F25B75BFB96}" type="datetimeFigureOut">
               <a:rPr lang="ko-KR" altLang="en-US" smtClean="0"/>
-              <a:t>2023-10-06</a:t>
+              <a:t>2023-10-08</a:t>
             </a:fld>
             <a:endParaRPr lang="ko-KR" altLang="en-US"/>
           </a:p>
@@ -1402,7 +1408,7 @@
           <a:p>
             <a:fld id="{3EC0053B-4812-4809-A52E-3F25B75BFB96}" type="datetimeFigureOut">
               <a:rPr lang="ko-KR" altLang="en-US" smtClean="0"/>
-              <a:t>2023-10-06</a:t>
+              <a:t>2023-10-08</a:t>
             </a:fld>
             <a:endParaRPr lang="ko-KR" altLang="en-US"/>
           </a:p>
@@ -1814,7 +1820,7 @@
           <a:p>
             <a:fld id="{3EC0053B-4812-4809-A52E-3F25B75BFB96}" type="datetimeFigureOut">
               <a:rPr lang="ko-KR" altLang="en-US" smtClean="0"/>
-              <a:t>2023-10-06</a:t>
+              <a:t>2023-10-08</a:t>
             </a:fld>
             <a:endParaRPr lang="ko-KR" altLang="en-US"/>
           </a:p>
@@ -1955,7 +1961,7 @@
           <a:p>
             <a:fld id="{3EC0053B-4812-4809-A52E-3F25B75BFB96}" type="datetimeFigureOut">
               <a:rPr lang="ko-KR" altLang="en-US" smtClean="0"/>
-              <a:t>2023-10-06</a:t>
+              <a:t>2023-10-08</a:t>
             </a:fld>
             <a:endParaRPr lang="ko-KR" altLang="en-US"/>
           </a:p>
@@ -2068,7 +2074,7 @@
           <a:p>
             <a:fld id="{3EC0053B-4812-4809-A52E-3F25B75BFB96}" type="datetimeFigureOut">
               <a:rPr lang="ko-KR" altLang="en-US" smtClean="0"/>
-              <a:t>2023-10-06</a:t>
+              <a:t>2023-10-08</a:t>
             </a:fld>
             <a:endParaRPr lang="ko-KR" altLang="en-US"/>
           </a:p>
@@ -2379,7 +2385,7 @@
           <a:p>
             <a:fld id="{3EC0053B-4812-4809-A52E-3F25B75BFB96}" type="datetimeFigureOut">
               <a:rPr lang="ko-KR" altLang="en-US" smtClean="0"/>
-              <a:t>2023-10-06</a:t>
+              <a:t>2023-10-08</a:t>
             </a:fld>
             <a:endParaRPr lang="ko-KR" altLang="en-US"/>
           </a:p>
@@ -2667,7 +2673,7 @@
           <a:p>
             <a:fld id="{3EC0053B-4812-4809-A52E-3F25B75BFB96}" type="datetimeFigureOut">
               <a:rPr lang="ko-KR" altLang="en-US" smtClean="0"/>
-              <a:t>2023-10-06</a:t>
+              <a:t>2023-10-08</a:t>
             </a:fld>
             <a:endParaRPr lang="ko-KR" altLang="en-US"/>
           </a:p>
@@ -2908,7 +2914,7 @@
           <a:p>
             <a:fld id="{3EC0053B-4812-4809-A52E-3F25B75BFB96}" type="datetimeFigureOut">
               <a:rPr lang="ko-KR" altLang="en-US" smtClean="0"/>
-              <a:t>2023-10-06</a:t>
+              <a:t>2023-10-08</a:t>
             </a:fld>
             <a:endParaRPr lang="ko-KR" altLang="en-US"/>
           </a:p>
@@ -10682,6 +10688,1083 @@
 </p:sld>
 </file>
 
+<file path=ppt/slides/slide6.xml><?xml version="1.0" encoding="utf-8"?>
+<p:sld xmlns:a="http://schemas.openxmlformats.org/drawingml/2006/main" xmlns:r="http://schemas.openxmlformats.org/officeDocument/2006/relationships" xmlns:p="http://schemas.openxmlformats.org/presentationml/2006/main">
+  <p:cSld>
+    <p:spTree>
+      <p:nvGrpSpPr>
+        <p:cNvPr id="1" name=""/>
+        <p:cNvGrpSpPr/>
+        <p:nvPr/>
+      </p:nvGrpSpPr>
+      <p:grpSpPr>
+        <a:xfrm>
+          <a:off x="0" y="0"/>
+          <a:ext cx="0" cy="0"/>
+          <a:chOff x="0" y="0"/>
+          <a:chExt cx="0" cy="0"/>
+        </a:xfrm>
+      </p:grpSpPr>
+      <p:sp>
+        <p:nvSpPr>
+          <p:cNvPr id="32" name="사각형: 둥근 모서리 31">
+            <a:extLst>
+              <a:ext uri="{FF2B5EF4-FFF2-40B4-BE49-F238E27FC236}">
+                <a16:creationId xmlns:a16="http://schemas.microsoft.com/office/drawing/2014/main" id="{BC69E9E0-4F6C-7173-EB54-CDC8D119C77F}"/>
+              </a:ext>
+            </a:extLst>
+          </p:cNvPr>
+          <p:cNvSpPr/>
+          <p:nvPr/>
+        </p:nvSpPr>
+        <p:spPr>
+          <a:xfrm rot="1719389">
+            <a:off x="4495387" y="1367097"/>
+            <a:ext cx="4449603" cy="1123199"/>
+          </a:xfrm>
+          <a:prstGeom prst="roundRect">
+            <a:avLst>
+              <a:gd name="adj" fmla="val 29505"/>
+            </a:avLst>
+          </a:prstGeom>
+          <a:solidFill>
+            <a:srgbClr val="F7EFFF"/>
+          </a:solidFill>
+          <a:ln>
+            <a:noFill/>
+          </a:ln>
+        </p:spPr>
+        <p:style>
+          <a:lnRef idx="2">
+            <a:schemeClr val="accent1">
+              <a:shade val="15000"/>
+            </a:schemeClr>
+          </a:lnRef>
+          <a:fillRef idx="1">
+            <a:schemeClr val="accent1"/>
+          </a:fillRef>
+          <a:effectRef idx="0">
+            <a:schemeClr val="accent1"/>
+          </a:effectRef>
+          <a:fontRef idx="minor">
+            <a:schemeClr val="lt1"/>
+          </a:fontRef>
+        </p:style>
+        <p:txBody>
+          <a:bodyPr rtlCol="0" anchor="ctr"/>
+          <a:lstStyle/>
+          <a:p>
+            <a:pPr algn="ctr"/>
+            <a:endParaRPr lang="ko-KR" altLang="en-US"/>
+          </a:p>
+        </p:txBody>
+      </p:sp>
+      <p:sp>
+        <p:nvSpPr>
+          <p:cNvPr id="31" name="사각형: 둥근 모서리 30">
+            <a:extLst>
+              <a:ext uri="{FF2B5EF4-FFF2-40B4-BE49-F238E27FC236}">
+                <a16:creationId xmlns:a16="http://schemas.microsoft.com/office/drawing/2014/main" id="{673189E3-69F5-205C-13F6-304FA769A75B}"/>
+              </a:ext>
+            </a:extLst>
+          </p:cNvPr>
+          <p:cNvSpPr/>
+          <p:nvPr/>
+        </p:nvSpPr>
+        <p:spPr>
+          <a:xfrm rot="19547578">
+            <a:off x="1743626" y="1397239"/>
+            <a:ext cx="3849076" cy="620553"/>
+          </a:xfrm>
+          <a:prstGeom prst="roundRect">
+            <a:avLst>
+              <a:gd name="adj" fmla="val 31618"/>
+            </a:avLst>
+          </a:prstGeom>
+          <a:solidFill>
+            <a:srgbClr val="F7EFFF"/>
+          </a:solidFill>
+          <a:ln>
+            <a:noFill/>
+          </a:ln>
+        </p:spPr>
+        <p:style>
+          <a:lnRef idx="2">
+            <a:schemeClr val="accent1">
+              <a:shade val="15000"/>
+            </a:schemeClr>
+          </a:lnRef>
+          <a:fillRef idx="1">
+            <a:schemeClr val="accent1"/>
+          </a:fillRef>
+          <a:effectRef idx="0">
+            <a:schemeClr val="accent1"/>
+          </a:effectRef>
+          <a:fontRef idx="minor">
+            <a:schemeClr val="lt1"/>
+          </a:fontRef>
+        </p:style>
+        <p:txBody>
+          <a:bodyPr rtlCol="0" anchor="ctr"/>
+          <a:lstStyle/>
+          <a:p>
+            <a:pPr algn="ctr"/>
+            <a:endParaRPr lang="ko-KR" altLang="en-US"/>
+          </a:p>
+        </p:txBody>
+      </p:sp>
+      <p:sp>
+        <p:nvSpPr>
+          <p:cNvPr id="2" name="TextBox 1">
+            <a:extLst>
+              <a:ext uri="{FF2B5EF4-FFF2-40B4-BE49-F238E27FC236}">
+                <a16:creationId xmlns:a16="http://schemas.microsoft.com/office/drawing/2014/main" id="{E0A86AC2-C723-CE94-3B64-D8FBDA2D8A75}"/>
+              </a:ext>
+            </a:extLst>
+          </p:cNvPr>
+          <p:cNvSpPr txBox="1"/>
+          <p:nvPr/>
+        </p:nvSpPr>
+        <p:spPr>
+          <a:xfrm>
+            <a:off x="200997" y="152400"/>
+            <a:ext cx="815095" cy="369332"/>
+          </a:xfrm>
+          <a:prstGeom prst="rect">
+            <a:avLst/>
+          </a:prstGeom>
+          <a:solidFill>
+            <a:schemeClr val="accent4">
+              <a:lumMod val="60000"/>
+              <a:lumOff val="40000"/>
+            </a:schemeClr>
+          </a:solidFill>
+        </p:spPr>
+        <p:txBody>
+          <a:bodyPr wrap="none" rtlCol="0">
+            <a:spAutoFit/>
+          </a:bodyPr>
+          <a:lstStyle/>
+          <a:p>
+            <a:r>
+              <a:rPr lang="en-US" altLang="ko-KR"/>
+              <a:t>OAuth</a:t>
+            </a:r>
+            <a:endParaRPr lang="ko-KR" altLang="en-US"/>
+          </a:p>
+        </p:txBody>
+      </p:sp>
+      <p:sp>
+        <p:nvSpPr>
+          <p:cNvPr id="3" name="사각형: 둥근 모서리 2">
+            <a:extLst>
+              <a:ext uri="{FF2B5EF4-FFF2-40B4-BE49-F238E27FC236}">
+                <a16:creationId xmlns:a16="http://schemas.microsoft.com/office/drawing/2014/main" id="{F2ADADEB-4C03-546F-1EE9-0B085DF3D36F}"/>
+              </a:ext>
+            </a:extLst>
+          </p:cNvPr>
+          <p:cNvSpPr/>
+          <p:nvPr/>
+        </p:nvSpPr>
+        <p:spPr>
+          <a:xfrm>
+            <a:off x="4208597" y="1001316"/>
+            <a:ext cx="2111991" cy="1501252"/>
+          </a:xfrm>
+          <a:prstGeom prst="roundRect">
+            <a:avLst>
+              <a:gd name="adj" fmla="val 31618"/>
+            </a:avLst>
+          </a:prstGeom>
+          <a:solidFill>
+            <a:schemeClr val="accent1">
+              <a:lumMod val="60000"/>
+              <a:lumOff val="40000"/>
+            </a:schemeClr>
+          </a:solidFill>
+          <a:ln>
+            <a:noFill/>
+          </a:ln>
+        </p:spPr>
+        <p:style>
+          <a:lnRef idx="2">
+            <a:schemeClr val="accent1">
+              <a:shade val="15000"/>
+            </a:schemeClr>
+          </a:lnRef>
+          <a:fillRef idx="1">
+            <a:schemeClr val="accent1"/>
+          </a:fillRef>
+          <a:effectRef idx="0">
+            <a:schemeClr val="accent1"/>
+          </a:effectRef>
+          <a:fontRef idx="minor">
+            <a:schemeClr val="lt1"/>
+          </a:fontRef>
+        </p:style>
+        <p:txBody>
+          <a:bodyPr rtlCol="0" anchor="ctr"/>
+          <a:lstStyle/>
+          <a:p>
+            <a:pPr algn="ctr"/>
+            <a:r>
+              <a:rPr lang="ko-KR" altLang="en-US"/>
+              <a:t>내가 만든 서비스</a:t>
+            </a:r>
+          </a:p>
+        </p:txBody>
+      </p:sp>
+      <p:sp>
+        <p:nvSpPr>
+          <p:cNvPr id="4" name="사각형: 둥근 모서리 3">
+            <a:extLst>
+              <a:ext uri="{FF2B5EF4-FFF2-40B4-BE49-F238E27FC236}">
+                <a16:creationId xmlns:a16="http://schemas.microsoft.com/office/drawing/2014/main" id="{8801C5C0-1F37-A3A9-08A4-F79178E03D48}"/>
+              </a:ext>
+            </a:extLst>
+          </p:cNvPr>
+          <p:cNvSpPr/>
+          <p:nvPr/>
+        </p:nvSpPr>
+        <p:spPr>
+          <a:xfrm>
+            <a:off x="7400976" y="2942411"/>
+            <a:ext cx="2111991" cy="1501252"/>
+          </a:xfrm>
+          <a:prstGeom prst="roundRect">
+            <a:avLst>
+              <a:gd name="adj" fmla="val 31618"/>
+            </a:avLst>
+          </a:prstGeom>
+          <a:solidFill>
+            <a:schemeClr val="accent6">
+              <a:lumMod val="60000"/>
+              <a:lumOff val="40000"/>
+            </a:schemeClr>
+          </a:solidFill>
+          <a:ln>
+            <a:noFill/>
+          </a:ln>
+        </p:spPr>
+        <p:style>
+          <a:lnRef idx="2">
+            <a:schemeClr val="accent1">
+              <a:shade val="15000"/>
+            </a:schemeClr>
+          </a:lnRef>
+          <a:fillRef idx="1">
+            <a:schemeClr val="accent1"/>
+          </a:fillRef>
+          <a:effectRef idx="0">
+            <a:schemeClr val="accent1"/>
+          </a:effectRef>
+          <a:fontRef idx="minor">
+            <a:schemeClr val="lt1"/>
+          </a:fontRef>
+        </p:style>
+        <p:txBody>
+          <a:bodyPr rtlCol="0" anchor="ctr"/>
+          <a:lstStyle/>
+          <a:p>
+            <a:pPr algn="ctr"/>
+            <a:r>
+              <a:rPr lang="ko-KR" altLang="en-US"/>
+              <a:t>인증 서버 </a:t>
+            </a:r>
+            <a:endParaRPr lang="en-US" altLang="ko-KR"/>
+          </a:p>
+          <a:p>
+            <a:pPr algn="ctr"/>
+            <a:r>
+              <a:rPr lang="en-US" altLang="ko-KR"/>
+              <a:t>(</a:t>
+            </a:r>
+            <a:r>
+              <a:rPr lang="ko-KR" altLang="en-US"/>
+              <a:t>구글</a:t>
+            </a:r>
+            <a:r>
+              <a:rPr lang="en-US" altLang="ko-KR"/>
+              <a:t>, </a:t>
+            </a:r>
+            <a:r>
+              <a:rPr lang="ko-KR" altLang="en-US"/>
+              <a:t>카카오 등</a:t>
+            </a:r>
+            <a:r>
+              <a:rPr lang="en-US" altLang="ko-KR"/>
+              <a:t>)</a:t>
+            </a:r>
+            <a:endParaRPr lang="ko-KR" altLang="en-US"/>
+          </a:p>
+        </p:txBody>
+      </p:sp>
+      <p:sp>
+        <p:nvSpPr>
+          <p:cNvPr id="5" name="사각형: 둥근 모서리 4">
+            <a:extLst>
+              <a:ext uri="{FF2B5EF4-FFF2-40B4-BE49-F238E27FC236}">
+                <a16:creationId xmlns:a16="http://schemas.microsoft.com/office/drawing/2014/main" id="{39A87B5E-55B4-3A8B-F180-B063A1A33FFF}"/>
+              </a:ext>
+            </a:extLst>
+          </p:cNvPr>
+          <p:cNvSpPr/>
+          <p:nvPr/>
+        </p:nvSpPr>
+        <p:spPr>
+          <a:xfrm>
+            <a:off x="7400976" y="4963716"/>
+            <a:ext cx="2111991" cy="1501252"/>
+          </a:xfrm>
+          <a:prstGeom prst="roundRect">
+            <a:avLst>
+              <a:gd name="adj" fmla="val 31618"/>
+            </a:avLst>
+          </a:prstGeom>
+          <a:solidFill>
+            <a:schemeClr val="accent6">
+              <a:lumMod val="60000"/>
+              <a:lumOff val="40000"/>
+            </a:schemeClr>
+          </a:solidFill>
+          <a:ln>
+            <a:noFill/>
+          </a:ln>
+        </p:spPr>
+        <p:style>
+          <a:lnRef idx="2">
+            <a:schemeClr val="accent1">
+              <a:shade val="15000"/>
+            </a:schemeClr>
+          </a:lnRef>
+          <a:fillRef idx="1">
+            <a:schemeClr val="accent1"/>
+          </a:fillRef>
+          <a:effectRef idx="0">
+            <a:schemeClr val="accent1"/>
+          </a:effectRef>
+          <a:fontRef idx="minor">
+            <a:schemeClr val="lt1"/>
+          </a:fontRef>
+        </p:style>
+        <p:txBody>
+          <a:bodyPr rtlCol="0" anchor="ctr"/>
+          <a:lstStyle/>
+          <a:p>
+            <a:pPr algn="ctr"/>
+            <a:r>
+              <a:rPr lang="ko-KR" altLang="en-US"/>
+              <a:t>리소스 서버 </a:t>
+            </a:r>
+            <a:endParaRPr lang="en-US" altLang="ko-KR"/>
+          </a:p>
+          <a:p>
+            <a:pPr algn="ctr"/>
+            <a:r>
+              <a:rPr lang="en-US" altLang="ko-KR"/>
+              <a:t>(</a:t>
+            </a:r>
+            <a:r>
+              <a:rPr lang="ko-KR" altLang="en-US"/>
+              <a:t>구글</a:t>
+            </a:r>
+            <a:r>
+              <a:rPr lang="en-US" altLang="ko-KR"/>
+              <a:t>, </a:t>
+            </a:r>
+            <a:r>
+              <a:rPr lang="ko-KR" altLang="en-US"/>
+              <a:t>카카오 등</a:t>
+            </a:r>
+            <a:r>
+              <a:rPr lang="en-US" altLang="ko-KR"/>
+              <a:t>’s)</a:t>
+            </a:r>
+            <a:endParaRPr lang="ko-KR" altLang="en-US"/>
+          </a:p>
+        </p:txBody>
+      </p:sp>
+      <p:sp>
+        <p:nvSpPr>
+          <p:cNvPr id="7" name="사각형: 둥근 모서리 6">
+            <a:extLst>
+              <a:ext uri="{FF2B5EF4-FFF2-40B4-BE49-F238E27FC236}">
+                <a16:creationId xmlns:a16="http://schemas.microsoft.com/office/drawing/2014/main" id="{6F80D8EE-9731-45E8-4DA4-7032EE7CEA44}"/>
+              </a:ext>
+            </a:extLst>
+          </p:cNvPr>
+          <p:cNvSpPr/>
+          <p:nvPr/>
+        </p:nvSpPr>
+        <p:spPr>
+          <a:xfrm>
+            <a:off x="1441335" y="2942411"/>
+            <a:ext cx="2111991" cy="1501252"/>
+          </a:xfrm>
+          <a:prstGeom prst="roundRect">
+            <a:avLst>
+              <a:gd name="adj" fmla="val 31618"/>
+            </a:avLst>
+          </a:prstGeom>
+          <a:solidFill>
+            <a:schemeClr val="accent2">
+              <a:lumMod val="60000"/>
+              <a:lumOff val="40000"/>
+            </a:schemeClr>
+          </a:solidFill>
+          <a:ln>
+            <a:noFill/>
+          </a:ln>
+        </p:spPr>
+        <p:style>
+          <a:lnRef idx="2">
+            <a:schemeClr val="accent1">
+              <a:shade val="15000"/>
+            </a:schemeClr>
+          </a:lnRef>
+          <a:fillRef idx="1">
+            <a:schemeClr val="accent1"/>
+          </a:fillRef>
+          <a:effectRef idx="0">
+            <a:schemeClr val="accent1"/>
+          </a:effectRef>
+          <a:fontRef idx="minor">
+            <a:schemeClr val="lt1"/>
+          </a:fontRef>
+        </p:style>
+        <p:txBody>
+          <a:bodyPr rtlCol="0" anchor="ctr"/>
+          <a:lstStyle/>
+          <a:p>
+            <a:pPr algn="ctr"/>
+            <a:r>
+              <a:rPr lang="ko-KR" altLang="en-US"/>
+              <a:t>리소스 오너</a:t>
+            </a:r>
+            <a:endParaRPr lang="en-US" altLang="ko-KR"/>
+          </a:p>
+          <a:p>
+            <a:pPr algn="ctr"/>
+            <a:r>
+              <a:rPr lang="en-US" altLang="ko-KR"/>
+              <a:t>(</a:t>
+            </a:r>
+            <a:r>
+              <a:rPr lang="ko-KR" altLang="en-US"/>
+              <a:t>사용자</a:t>
+            </a:r>
+            <a:r>
+              <a:rPr lang="en-US" altLang="ko-KR"/>
+              <a:t>)</a:t>
+            </a:r>
+            <a:endParaRPr lang="ko-KR" altLang="en-US"/>
+          </a:p>
+        </p:txBody>
+      </p:sp>
+      <p:cxnSp>
+        <p:nvCxnSpPr>
+          <p:cNvPr id="10" name="직선 화살표 연결선 9">
+            <a:extLst>
+              <a:ext uri="{FF2B5EF4-FFF2-40B4-BE49-F238E27FC236}">
+                <a16:creationId xmlns:a16="http://schemas.microsoft.com/office/drawing/2014/main" id="{B8CDAFB9-B5A3-FF81-8EF0-1B114122EF07}"/>
+              </a:ext>
+            </a:extLst>
+          </p:cNvPr>
+          <p:cNvCxnSpPr>
+            <a:cxnSpLocks/>
+            <a:stCxn id="7" idx="0"/>
+            <a:endCxn id="3" idx="1"/>
+          </p:cNvCxnSpPr>
+          <p:nvPr/>
+        </p:nvCxnSpPr>
+        <p:spPr>
+          <a:xfrm flipV="1">
+            <a:off x="2497331" y="1751942"/>
+            <a:ext cx="1711266" cy="1190469"/>
+          </a:xfrm>
+          <a:prstGeom prst="straightConnector1">
+            <a:avLst/>
+          </a:prstGeom>
+          <a:ln w="12700">
+            <a:solidFill>
+              <a:schemeClr val="tx1"/>
+            </a:solidFill>
+            <a:tailEnd type="triangle"/>
+          </a:ln>
+        </p:spPr>
+        <p:style>
+          <a:lnRef idx="1">
+            <a:schemeClr val="accent1"/>
+          </a:lnRef>
+          <a:fillRef idx="0">
+            <a:schemeClr val="accent1"/>
+          </a:fillRef>
+          <a:effectRef idx="0">
+            <a:schemeClr val="accent1"/>
+          </a:effectRef>
+          <a:fontRef idx="minor">
+            <a:schemeClr val="tx1"/>
+          </a:fontRef>
+        </p:style>
+      </p:cxnSp>
+      <p:sp>
+        <p:nvSpPr>
+          <p:cNvPr id="13" name="TextBox 12">
+            <a:extLst>
+              <a:ext uri="{FF2B5EF4-FFF2-40B4-BE49-F238E27FC236}">
+                <a16:creationId xmlns:a16="http://schemas.microsoft.com/office/drawing/2014/main" id="{C05FD961-FB94-0504-FB68-6313B3241D39}"/>
+              </a:ext>
+            </a:extLst>
+          </p:cNvPr>
+          <p:cNvSpPr txBox="1"/>
+          <p:nvPr/>
+        </p:nvSpPr>
+        <p:spPr>
+          <a:xfrm rot="19497969">
+            <a:off x="2005211" y="1658343"/>
+            <a:ext cx="2425844" cy="646331"/>
+          </a:xfrm>
+          <a:prstGeom prst="rect">
+            <a:avLst/>
+          </a:prstGeom>
+          <a:noFill/>
+        </p:spPr>
+        <p:txBody>
+          <a:bodyPr wrap="square" rtlCol="0">
+            <a:spAutoFit/>
+          </a:bodyPr>
+          <a:lstStyle/>
+          <a:p>
+            <a:r>
+              <a:rPr lang="ko-KR" altLang="en-US" sz="1200"/>
+              <a:t>회원가입하면서 구글이나 카카오 등의 리소스 서버에 있는 사용자 정보 확인하는 걸 허용</a:t>
+            </a:r>
+          </a:p>
+        </p:txBody>
+      </p:sp>
+      <p:cxnSp>
+        <p:nvCxnSpPr>
+          <p:cNvPr id="14" name="직선 화살표 연결선 13">
+            <a:extLst>
+              <a:ext uri="{FF2B5EF4-FFF2-40B4-BE49-F238E27FC236}">
+                <a16:creationId xmlns:a16="http://schemas.microsoft.com/office/drawing/2014/main" id="{C3A17DCA-1ADA-087D-A07A-8AA35F39FBF6}"/>
+              </a:ext>
+            </a:extLst>
+          </p:cNvPr>
+          <p:cNvCxnSpPr>
+            <a:cxnSpLocks/>
+            <a:stCxn id="3" idx="3"/>
+            <a:endCxn id="4" idx="0"/>
+          </p:cNvCxnSpPr>
+          <p:nvPr/>
+        </p:nvCxnSpPr>
+        <p:spPr>
+          <a:xfrm>
+            <a:off x="6320588" y="1751942"/>
+            <a:ext cx="2136384" cy="1190469"/>
+          </a:xfrm>
+          <a:prstGeom prst="straightConnector1">
+            <a:avLst/>
+          </a:prstGeom>
+          <a:ln w="12700">
+            <a:solidFill>
+              <a:schemeClr val="tx1"/>
+            </a:solidFill>
+            <a:tailEnd type="triangle"/>
+          </a:ln>
+        </p:spPr>
+        <p:style>
+          <a:lnRef idx="1">
+            <a:schemeClr val="accent1"/>
+          </a:lnRef>
+          <a:fillRef idx="0">
+            <a:schemeClr val="accent1"/>
+          </a:fillRef>
+          <a:effectRef idx="0">
+            <a:schemeClr val="accent1"/>
+          </a:effectRef>
+          <a:fontRef idx="minor">
+            <a:schemeClr val="tx1"/>
+          </a:fontRef>
+        </p:style>
+      </p:cxnSp>
+      <p:sp>
+        <p:nvSpPr>
+          <p:cNvPr id="21" name="TextBox 20">
+            <a:extLst>
+              <a:ext uri="{FF2B5EF4-FFF2-40B4-BE49-F238E27FC236}">
+                <a16:creationId xmlns:a16="http://schemas.microsoft.com/office/drawing/2014/main" id="{0F349879-0FEE-8113-F8A2-96523CD569F2}"/>
+              </a:ext>
+            </a:extLst>
+          </p:cNvPr>
+          <p:cNvSpPr txBox="1"/>
+          <p:nvPr/>
+        </p:nvSpPr>
+        <p:spPr>
+          <a:xfrm rot="1843921">
+            <a:off x="6254872" y="2070455"/>
+            <a:ext cx="2947050" cy="276999"/>
+          </a:xfrm>
+          <a:prstGeom prst="rect">
+            <a:avLst/>
+          </a:prstGeom>
+          <a:noFill/>
+        </p:spPr>
+        <p:txBody>
+          <a:bodyPr wrap="square" rtlCol="0">
+            <a:spAutoFit/>
+          </a:bodyPr>
+          <a:lstStyle/>
+          <a:p>
+            <a:r>
+              <a:rPr lang="ko-KR" altLang="en-US" sz="1200"/>
+              <a:t>인증 서버에 사용자 데이터 접근 동의 얻기</a:t>
+            </a:r>
+          </a:p>
+        </p:txBody>
+      </p:sp>
+      <p:cxnSp>
+        <p:nvCxnSpPr>
+          <p:cNvPr id="22" name="직선 화살표 연결선 21">
+            <a:extLst>
+              <a:ext uri="{FF2B5EF4-FFF2-40B4-BE49-F238E27FC236}">
+                <a16:creationId xmlns:a16="http://schemas.microsoft.com/office/drawing/2014/main" id="{8EF4CFF6-7189-D86D-8F7D-6AEBE6568944}"/>
+              </a:ext>
+            </a:extLst>
+          </p:cNvPr>
+          <p:cNvCxnSpPr>
+            <a:cxnSpLocks/>
+          </p:cNvCxnSpPr>
+          <p:nvPr/>
+        </p:nvCxnSpPr>
+        <p:spPr>
+          <a:xfrm flipH="1" flipV="1">
+            <a:off x="6320588" y="1850410"/>
+            <a:ext cx="1983749" cy="1092001"/>
+          </a:xfrm>
+          <a:prstGeom prst="straightConnector1">
+            <a:avLst/>
+          </a:prstGeom>
+          <a:ln w="12700">
+            <a:solidFill>
+              <a:schemeClr val="tx1"/>
+            </a:solidFill>
+            <a:tailEnd type="triangle"/>
+          </a:ln>
+        </p:spPr>
+        <p:style>
+          <a:lnRef idx="1">
+            <a:schemeClr val="accent1"/>
+          </a:lnRef>
+          <a:fillRef idx="0">
+            <a:schemeClr val="accent1"/>
+          </a:fillRef>
+          <a:effectRef idx="0">
+            <a:schemeClr val="accent1"/>
+          </a:effectRef>
+          <a:fontRef idx="minor">
+            <a:schemeClr val="tx1"/>
+          </a:fontRef>
+        </p:style>
+      </p:cxnSp>
+      <p:sp>
+        <p:nvSpPr>
+          <p:cNvPr id="25" name="TextBox 24">
+            <a:extLst>
+              <a:ext uri="{FF2B5EF4-FFF2-40B4-BE49-F238E27FC236}">
+                <a16:creationId xmlns:a16="http://schemas.microsoft.com/office/drawing/2014/main" id="{DC07C951-8018-07D8-5791-0155BFCEEEA3}"/>
+              </a:ext>
+            </a:extLst>
+          </p:cNvPr>
+          <p:cNvSpPr txBox="1"/>
+          <p:nvPr/>
+        </p:nvSpPr>
+        <p:spPr>
+          <a:xfrm rot="1721207">
+            <a:off x="6479813" y="2262270"/>
+            <a:ext cx="929578" cy="276999"/>
+          </a:xfrm>
+          <a:prstGeom prst="rect">
+            <a:avLst/>
+          </a:prstGeom>
+          <a:noFill/>
+        </p:spPr>
+        <p:txBody>
+          <a:bodyPr wrap="square" rtlCol="0">
+            <a:spAutoFit/>
+          </a:bodyPr>
+          <a:lstStyle/>
+          <a:p>
+            <a:r>
+              <a:rPr lang="ko-KR" altLang="en-US" sz="1200"/>
+              <a:t>인증 코드</a:t>
+            </a:r>
+          </a:p>
+        </p:txBody>
+      </p:sp>
+      <p:sp>
+        <p:nvSpPr>
+          <p:cNvPr id="33" name="TextBox 32">
+            <a:extLst>
+              <a:ext uri="{FF2B5EF4-FFF2-40B4-BE49-F238E27FC236}">
+                <a16:creationId xmlns:a16="http://schemas.microsoft.com/office/drawing/2014/main" id="{2F130086-143F-9092-2A4A-EC4AC7DED6FF}"/>
+              </a:ext>
+            </a:extLst>
+          </p:cNvPr>
+          <p:cNvSpPr txBox="1"/>
+          <p:nvPr/>
+        </p:nvSpPr>
+        <p:spPr>
+          <a:xfrm>
+            <a:off x="4094994" y="371799"/>
+            <a:ext cx="2613216" cy="369332"/>
+          </a:xfrm>
+          <a:prstGeom prst="rect">
+            <a:avLst/>
+          </a:prstGeom>
+          <a:noFill/>
+        </p:spPr>
+        <p:txBody>
+          <a:bodyPr wrap="none" rtlCol="0">
+            <a:spAutoFit/>
+          </a:bodyPr>
+          <a:lstStyle/>
+          <a:p>
+            <a:r>
+              <a:rPr lang="en-US" altLang="ko-KR">
+                <a:solidFill>
+                  <a:srgbClr val="7030A0"/>
+                </a:solidFill>
+              </a:rPr>
+              <a:t>Oauth </a:t>
+            </a:r>
+            <a:r>
+              <a:rPr lang="ko-KR" altLang="en-US">
+                <a:solidFill>
+                  <a:srgbClr val="7030A0"/>
+                </a:solidFill>
+              </a:rPr>
+              <a:t>서비스 등록 </a:t>
+            </a:r>
+            <a:r>
+              <a:rPr lang="en-US" altLang="ko-KR">
+                <a:solidFill>
+                  <a:srgbClr val="7030A0"/>
+                </a:solidFill>
+              </a:rPr>
+              <a:t>(</a:t>
+            </a:r>
+            <a:r>
+              <a:rPr lang="ko-KR" altLang="en-US">
+                <a:solidFill>
+                  <a:srgbClr val="7030A0"/>
+                </a:solidFill>
+              </a:rPr>
+              <a:t>첫 </a:t>
+            </a:r>
+            <a:r>
+              <a:rPr lang="en-US" altLang="ko-KR">
+                <a:solidFill>
+                  <a:srgbClr val="7030A0"/>
+                </a:solidFill>
+              </a:rPr>
+              <a:t>1</a:t>
+            </a:r>
+            <a:r>
+              <a:rPr lang="ko-KR" altLang="en-US">
+                <a:solidFill>
+                  <a:srgbClr val="7030A0"/>
+                </a:solidFill>
+              </a:rPr>
+              <a:t>회</a:t>
+            </a:r>
+            <a:r>
+              <a:rPr lang="en-US" altLang="ko-KR">
+                <a:solidFill>
+                  <a:srgbClr val="7030A0"/>
+                </a:solidFill>
+              </a:rPr>
+              <a:t>)</a:t>
+            </a:r>
+            <a:endParaRPr lang="ko-KR" altLang="en-US">
+              <a:solidFill>
+                <a:srgbClr val="7030A0"/>
+              </a:solidFill>
+            </a:endParaRPr>
+          </a:p>
+        </p:txBody>
+      </p:sp>
+      <p:cxnSp>
+        <p:nvCxnSpPr>
+          <p:cNvPr id="34" name="직선 화살표 연결선 33">
+            <a:extLst>
+              <a:ext uri="{FF2B5EF4-FFF2-40B4-BE49-F238E27FC236}">
+                <a16:creationId xmlns:a16="http://schemas.microsoft.com/office/drawing/2014/main" id="{5290A8C0-67C1-46D4-40F3-19F16C432711}"/>
+              </a:ext>
+            </a:extLst>
+          </p:cNvPr>
+          <p:cNvCxnSpPr>
+            <a:cxnSpLocks/>
+          </p:cNvCxnSpPr>
+          <p:nvPr/>
+        </p:nvCxnSpPr>
+        <p:spPr>
+          <a:xfrm>
+            <a:off x="6096000" y="2478231"/>
+            <a:ext cx="1317976" cy="750850"/>
+          </a:xfrm>
+          <a:prstGeom prst="straightConnector1">
+            <a:avLst/>
+          </a:prstGeom>
+          <a:ln w="12700">
+            <a:solidFill>
+              <a:schemeClr val="tx1"/>
+            </a:solidFill>
+            <a:headEnd type="none"/>
+            <a:tailEnd type="triangle"/>
+          </a:ln>
+        </p:spPr>
+        <p:style>
+          <a:lnRef idx="1">
+            <a:schemeClr val="accent1"/>
+          </a:lnRef>
+          <a:fillRef idx="0">
+            <a:schemeClr val="accent1"/>
+          </a:fillRef>
+          <a:effectRef idx="0">
+            <a:schemeClr val="accent1"/>
+          </a:effectRef>
+          <a:fontRef idx="minor">
+            <a:schemeClr val="tx1"/>
+          </a:fontRef>
+        </p:style>
+      </p:cxnSp>
+      <p:sp>
+        <p:nvSpPr>
+          <p:cNvPr id="38" name="TextBox 37">
+            <a:extLst>
+              <a:ext uri="{FF2B5EF4-FFF2-40B4-BE49-F238E27FC236}">
+                <a16:creationId xmlns:a16="http://schemas.microsoft.com/office/drawing/2014/main" id="{094DCC23-4262-1E5C-7763-002CACC042C8}"/>
+              </a:ext>
+            </a:extLst>
+          </p:cNvPr>
+          <p:cNvSpPr txBox="1"/>
+          <p:nvPr/>
+        </p:nvSpPr>
+        <p:spPr>
+          <a:xfrm rot="3406126">
+            <a:off x="4911607" y="4321224"/>
+            <a:ext cx="2947050" cy="276999"/>
+          </a:xfrm>
+          <a:prstGeom prst="rect">
+            <a:avLst/>
+          </a:prstGeom>
+          <a:noFill/>
+        </p:spPr>
+        <p:txBody>
+          <a:bodyPr wrap="square" rtlCol="0">
+            <a:spAutoFit/>
+          </a:bodyPr>
+          <a:lstStyle/>
+          <a:p>
+            <a:r>
+              <a:rPr lang="ko-KR" altLang="en-US" sz="1200"/>
+              <a:t>액세스 토큰으로 </a:t>
+            </a:r>
+            <a:r>
+              <a:rPr lang="en-US" altLang="ko-KR" sz="1200"/>
+              <a:t>API </a:t>
+            </a:r>
+            <a:r>
+              <a:rPr lang="ko-KR" altLang="en-US" sz="1200"/>
+              <a:t>호출 </a:t>
+            </a:r>
+            <a:r>
+              <a:rPr lang="en-US" altLang="ko-KR" sz="1200"/>
+              <a:t>&amp; </a:t>
+            </a:r>
+            <a:r>
+              <a:rPr lang="ko-KR" altLang="en-US" sz="1200"/>
+              <a:t>응답</a:t>
+            </a:r>
+          </a:p>
+        </p:txBody>
+      </p:sp>
+      <p:sp>
+        <p:nvSpPr>
+          <p:cNvPr id="41" name="TextBox 40">
+            <a:extLst>
+              <a:ext uri="{FF2B5EF4-FFF2-40B4-BE49-F238E27FC236}">
+                <a16:creationId xmlns:a16="http://schemas.microsoft.com/office/drawing/2014/main" id="{DFFE1E18-9041-F93E-BD29-9C696125606E}"/>
+              </a:ext>
+            </a:extLst>
+          </p:cNvPr>
+          <p:cNvSpPr txBox="1"/>
+          <p:nvPr/>
+        </p:nvSpPr>
+        <p:spPr>
+          <a:xfrm rot="1721207">
+            <a:off x="6524510" y="2707010"/>
+            <a:ext cx="929578" cy="276999"/>
+          </a:xfrm>
+          <a:prstGeom prst="rect">
+            <a:avLst/>
+          </a:prstGeom>
+          <a:noFill/>
+        </p:spPr>
+        <p:txBody>
+          <a:bodyPr wrap="square" rtlCol="0">
+            <a:spAutoFit/>
+          </a:bodyPr>
+          <a:lstStyle/>
+          <a:p>
+            <a:r>
+              <a:rPr lang="ko-KR" altLang="en-US" sz="1200"/>
+              <a:t>인증 코드</a:t>
+            </a:r>
+          </a:p>
+        </p:txBody>
+      </p:sp>
+      <p:cxnSp>
+        <p:nvCxnSpPr>
+          <p:cNvPr id="46" name="직선 화살표 연결선 45">
+            <a:extLst>
+              <a:ext uri="{FF2B5EF4-FFF2-40B4-BE49-F238E27FC236}">
+                <a16:creationId xmlns:a16="http://schemas.microsoft.com/office/drawing/2014/main" id="{CD0DB80E-61BD-8105-EF2A-CCDE48EE285C}"/>
+              </a:ext>
+            </a:extLst>
+          </p:cNvPr>
+          <p:cNvCxnSpPr>
+            <a:cxnSpLocks/>
+          </p:cNvCxnSpPr>
+          <p:nvPr/>
+        </p:nvCxnSpPr>
+        <p:spPr>
+          <a:xfrm flipH="1" flipV="1">
+            <a:off x="5895474" y="2518611"/>
+            <a:ext cx="1487021" cy="838843"/>
+          </a:xfrm>
+          <a:prstGeom prst="straightConnector1">
+            <a:avLst/>
+          </a:prstGeom>
+          <a:ln w="12700">
+            <a:solidFill>
+              <a:schemeClr val="tx1"/>
+            </a:solidFill>
+            <a:headEnd type="none"/>
+            <a:tailEnd type="triangle"/>
+          </a:ln>
+        </p:spPr>
+        <p:style>
+          <a:lnRef idx="1">
+            <a:schemeClr val="accent1"/>
+          </a:lnRef>
+          <a:fillRef idx="0">
+            <a:schemeClr val="accent1"/>
+          </a:fillRef>
+          <a:effectRef idx="0">
+            <a:schemeClr val="accent1"/>
+          </a:effectRef>
+          <a:fontRef idx="minor">
+            <a:schemeClr val="tx1"/>
+          </a:fontRef>
+        </p:style>
+      </p:cxnSp>
+      <p:sp>
+        <p:nvSpPr>
+          <p:cNvPr id="55" name="TextBox 54">
+            <a:extLst>
+              <a:ext uri="{FF2B5EF4-FFF2-40B4-BE49-F238E27FC236}">
+                <a16:creationId xmlns:a16="http://schemas.microsoft.com/office/drawing/2014/main" id="{E4CB473F-3FAF-A002-05AB-C976678C14A6}"/>
+              </a:ext>
+            </a:extLst>
+          </p:cNvPr>
+          <p:cNvSpPr txBox="1"/>
+          <p:nvPr/>
+        </p:nvSpPr>
+        <p:spPr>
+          <a:xfrm rot="1721207">
+            <a:off x="6173290" y="2922695"/>
+            <a:ext cx="929578" cy="276999"/>
+          </a:xfrm>
+          <a:prstGeom prst="rect">
+            <a:avLst/>
+          </a:prstGeom>
+          <a:noFill/>
+        </p:spPr>
+        <p:txBody>
+          <a:bodyPr wrap="square" rtlCol="0">
+            <a:spAutoFit/>
+          </a:bodyPr>
+          <a:lstStyle/>
+          <a:p>
+            <a:r>
+              <a:rPr lang="ko-KR" altLang="en-US" sz="1200"/>
+              <a:t>액세스 토큰</a:t>
+            </a:r>
+          </a:p>
+        </p:txBody>
+      </p:sp>
+      <p:cxnSp>
+        <p:nvCxnSpPr>
+          <p:cNvPr id="56" name="직선 화살표 연결선 55">
+            <a:extLst>
+              <a:ext uri="{FF2B5EF4-FFF2-40B4-BE49-F238E27FC236}">
+                <a16:creationId xmlns:a16="http://schemas.microsoft.com/office/drawing/2014/main" id="{5DA314E5-AE70-E163-59C8-74C1A1221B67}"/>
+              </a:ext>
+            </a:extLst>
+          </p:cNvPr>
+          <p:cNvCxnSpPr>
+            <a:cxnSpLocks/>
+            <a:stCxn id="5" idx="1"/>
+            <a:endCxn id="3" idx="2"/>
+          </p:cNvCxnSpPr>
+          <p:nvPr/>
+        </p:nvCxnSpPr>
+        <p:spPr>
+          <a:xfrm flipH="1" flipV="1">
+            <a:off x="5264593" y="2502568"/>
+            <a:ext cx="2136383" cy="3211774"/>
+          </a:xfrm>
+          <a:prstGeom prst="straightConnector1">
+            <a:avLst/>
+          </a:prstGeom>
+          <a:ln w="12700">
+            <a:solidFill>
+              <a:schemeClr val="tx1"/>
+            </a:solidFill>
+            <a:headEnd type="triangle"/>
+            <a:tailEnd type="triangle"/>
+          </a:ln>
+        </p:spPr>
+        <p:style>
+          <a:lnRef idx="1">
+            <a:schemeClr val="accent1"/>
+          </a:lnRef>
+          <a:fillRef idx="0">
+            <a:schemeClr val="accent1"/>
+          </a:fillRef>
+          <a:effectRef idx="0">
+            <a:schemeClr val="accent1"/>
+          </a:effectRef>
+          <a:fontRef idx="minor">
+            <a:schemeClr val="tx1"/>
+          </a:fontRef>
+        </p:style>
+      </p:cxnSp>
+    </p:spTree>
+    <p:extLst>
+      <p:ext uri="{BB962C8B-B14F-4D97-AF65-F5344CB8AC3E}">
+        <p14:creationId xmlns:p14="http://schemas.microsoft.com/office/powerpoint/2010/main" val="2556982874"/>
+      </p:ext>
+    </p:extLst>
+  </p:cSld>
+  <p:clrMapOvr>
+    <a:masterClrMapping/>
+  </p:clrMapOvr>
+</p:sld>
+</file>
+
 <file path=ppt/theme/theme1.xml><?xml version="1.0" encoding="utf-8"?>
 <a:theme xmlns:a="http://schemas.openxmlformats.org/drawingml/2006/main" name="Office 테마">
   <a:themeElements>
